--- a/pytorch-internals/slides/PyTorch Internals.pptx
+++ b/pytorch-internals/slides/PyTorch Internals.pptx
@@ -5,21 +5,22 @@
     <p:sldMasterId id="2147483648" r:id="rId1"/>
   </p:sldMasterIdLst>
   <p:notesMasterIdLst>
-    <p:notesMasterId r:id="rId14"/>
+    <p:notesMasterId r:id="rId15"/>
   </p:notesMasterIdLst>
   <p:sldIdLst>
     <p:sldId id="256" r:id="rId2"/>
     <p:sldId id="12600" r:id="rId3"/>
-    <p:sldId id="12608" r:id="rId4"/>
-    <p:sldId id="12601" r:id="rId5"/>
-    <p:sldId id="12602" r:id="rId6"/>
-    <p:sldId id="12609" r:id="rId7"/>
-    <p:sldId id="12603" r:id="rId8"/>
-    <p:sldId id="12604" r:id="rId9"/>
-    <p:sldId id="12605" r:id="rId10"/>
-    <p:sldId id="12606" r:id="rId11"/>
-    <p:sldId id="12607" r:id="rId12"/>
-    <p:sldId id="264" r:id="rId13"/>
+    <p:sldId id="12610" r:id="rId4"/>
+    <p:sldId id="12608" r:id="rId5"/>
+    <p:sldId id="12601" r:id="rId6"/>
+    <p:sldId id="12602" r:id="rId7"/>
+    <p:sldId id="12609" r:id="rId8"/>
+    <p:sldId id="12603" r:id="rId9"/>
+    <p:sldId id="12604" r:id="rId10"/>
+    <p:sldId id="12605" r:id="rId11"/>
+    <p:sldId id="12606" r:id="rId12"/>
+    <p:sldId id="12607" r:id="rId13"/>
+    <p:sldId id="264" r:id="rId14"/>
   </p:sldIdLst>
   <p:sldSz cx="12192000" cy="6858000"/>
   <p:notesSz cx="6858000" cy="9144000"/>
@@ -125,6 +126,7 @@
           <p14:sldIdLst>
             <p14:sldId id="256"/>
             <p14:sldId id="12600"/>
+            <p14:sldId id="12610"/>
             <p14:sldId id="12608"/>
             <p14:sldId id="12601"/>
             <p14:sldId id="12602"/>
@@ -245,7 +247,7 @@
           <a:p>
             <a:fld id="{F0177466-1428-42F6-954C-BBB2525B1889}" type="datetimeFigureOut">
               <a:rPr lang="zh-CN" altLang="en-US" smtClean="0"/>
-              <a:t>2022/8/28</a:t>
+              <a:t>2022/9/10</a:t>
             </a:fld>
             <a:endParaRPr lang="zh-CN" altLang="en-US"/>
           </a:p>
@@ -715,7 +717,7 @@
           <a:p>
             <a:fld id="{2DE88CEF-3E57-E44E-9CA9-F3ED7E16FBF6}" type="datetimeFigureOut">
               <a:rPr kumimoji="1" lang="zh-CN" altLang="en-US" smtClean="0"/>
-              <a:t>2022/8/28</a:t>
+              <a:t>2022/9/10</a:t>
             </a:fld>
             <a:endParaRPr kumimoji="1" lang="zh-CN" altLang="en-US"/>
           </a:p>
@@ -1009,7 +1011,7 @@
           <a:p>
             <a:fld id="{2DE88CEF-3E57-E44E-9CA9-F3ED7E16FBF6}" type="datetimeFigureOut">
               <a:rPr kumimoji="1" lang="zh-CN" altLang="en-US" smtClean="0"/>
-              <a:t>2022/8/28</a:t>
+              <a:t>2022/9/10</a:t>
             </a:fld>
             <a:endParaRPr kumimoji="1" lang="zh-CN" altLang="en-US"/>
           </a:p>
@@ -1259,7 +1261,7 @@
           <a:p>
             <a:fld id="{2DE88CEF-3E57-E44E-9CA9-F3ED7E16FBF6}" type="datetimeFigureOut">
               <a:rPr kumimoji="1" lang="zh-CN" altLang="en-US" smtClean="0"/>
-              <a:t>2022/8/28</a:t>
+              <a:t>2022/9/10</a:t>
             </a:fld>
             <a:endParaRPr kumimoji="1" lang="zh-CN" altLang="en-US"/>
           </a:p>
@@ -1397,7 +1399,7 @@
           <a:p>
             <a:fld id="{2DE88CEF-3E57-E44E-9CA9-F3ED7E16FBF6}" type="datetimeFigureOut">
               <a:rPr kumimoji="1" lang="zh-CN" altLang="en-US" smtClean="0"/>
-              <a:t>2022/8/28</a:t>
+              <a:t>2022/9/10</a:t>
             </a:fld>
             <a:endParaRPr kumimoji="1" lang="zh-CN" altLang="en-US"/>
           </a:p>
@@ -1545,7 +1547,7 @@
           <a:p>
             <a:fld id="{2DE88CEF-3E57-E44E-9CA9-F3ED7E16FBF6}" type="datetimeFigureOut">
               <a:rPr kumimoji="1" lang="zh-CN" altLang="en-US" smtClean="0"/>
-              <a:t>2022/8/28</a:t>
+              <a:t>2022/9/10</a:t>
             </a:fld>
             <a:endParaRPr kumimoji="1" lang="zh-CN" altLang="en-US"/>
           </a:p>
@@ -2003,7 +2005,7 @@
           <a:p>
             <a:fld id="{2DE88CEF-3E57-E44E-9CA9-F3ED7E16FBF6}" type="datetimeFigureOut">
               <a:rPr kumimoji="1" lang="zh-CN" altLang="en-US" smtClean="0"/>
-              <a:t>2022/8/28</a:t>
+              <a:t>2022/9/10</a:t>
             </a:fld>
             <a:endParaRPr kumimoji="1" lang="zh-CN" altLang="en-US"/>
           </a:p>
@@ -2246,7 +2248,7 @@
           <a:p>
             <a:fld id="{2DE88CEF-3E57-E44E-9CA9-F3ED7E16FBF6}" type="datetimeFigureOut">
               <a:rPr kumimoji="1" lang="zh-CN" altLang="en-US" smtClean="0"/>
-              <a:t>2022/8/28</a:t>
+              <a:t>2022/9/10</a:t>
             </a:fld>
             <a:endParaRPr kumimoji="1" lang="zh-CN" altLang="en-US"/>
           </a:p>
@@ -2420,7 +2422,7 @@
           <a:p>
             <a:fld id="{2DE88CEF-3E57-E44E-9CA9-F3ED7E16FBF6}" type="datetimeFigureOut">
               <a:rPr kumimoji="1" lang="zh-CN" altLang="en-US" smtClean="0"/>
-              <a:t>2022/8/28</a:t>
+              <a:t>2022/9/10</a:t>
             </a:fld>
             <a:endParaRPr kumimoji="1" lang="zh-CN" altLang="en-US"/>
           </a:p>
@@ -2735,7 +2737,7 @@
           <a:p>
             <a:fld id="{2DE88CEF-3E57-E44E-9CA9-F3ED7E16FBF6}" type="datetimeFigureOut">
               <a:rPr kumimoji="1" lang="zh-CN" altLang="en-US" smtClean="0"/>
-              <a:t>2022/8/28</a:t>
+              <a:t>2022/9/10</a:t>
             </a:fld>
             <a:endParaRPr kumimoji="1" lang="zh-CN" altLang="en-US"/>
           </a:p>
@@ -3226,7 +3228,7 @@
           <a:p>
             <a:fld id="{2DE88CEF-3E57-E44E-9CA9-F3ED7E16FBF6}" type="datetimeFigureOut">
               <a:rPr kumimoji="1" lang="zh-CN" altLang="en-US" smtClean="0"/>
-              <a:t>2022/8/28</a:t>
+              <a:t>2022/9/10</a:t>
             </a:fld>
             <a:endParaRPr kumimoji="1" lang="zh-CN" altLang="en-US"/>
           </a:p>
@@ -4122,6 +4124,75 @@
     </p:spTree>
     <p:extLst>
       <p:ext uri="{BB962C8B-B14F-4D97-AF65-F5344CB8AC3E}">
+        <p14:creationId xmlns:p14="http://schemas.microsoft.com/office/powerpoint/2010/main" val="2558925456"/>
+      </p:ext>
+    </p:extLst>
+  </p:cSld>
+  <p:clrMapOvr>
+    <a:masterClrMapping/>
+  </p:clrMapOvr>
+</p:sld>
+</file>
+
+<file path=ppt/slides/slide11.xml><?xml version="1.0" encoding="utf-8"?>
+<p:sld xmlns:a="http://schemas.openxmlformats.org/drawingml/2006/main" xmlns:r="http://schemas.openxmlformats.org/officeDocument/2006/relationships" xmlns:p="http://schemas.openxmlformats.org/presentationml/2006/main">
+  <p:cSld>
+    <p:spTree>
+      <p:nvGrpSpPr>
+        <p:cNvPr id="1" name=""/>
+        <p:cNvGrpSpPr/>
+        <p:nvPr/>
+      </p:nvGrpSpPr>
+      <p:grpSpPr>
+        <a:xfrm>
+          <a:off x="0" y="0"/>
+          <a:ext cx="0" cy="0"/>
+          <a:chOff x="0" y="0"/>
+          <a:chExt cx="0" cy="0"/>
+        </a:xfrm>
+      </p:grpSpPr>
+      <p:sp>
+        <p:nvSpPr>
+          <p:cNvPr id="22" name="文本框 21">
+            <a:extLst>
+              <a:ext uri="{FF2B5EF4-FFF2-40B4-BE49-F238E27FC236}">
+                <a16:creationId xmlns:a16="http://schemas.microsoft.com/office/drawing/2014/main" id="{C18F5FE1-EF1F-0949-AE8A-3DEA3E51231D}"/>
+              </a:ext>
+            </a:extLst>
+          </p:cNvPr>
+          <p:cNvSpPr txBox="1"/>
+          <p:nvPr/>
+        </p:nvSpPr>
+        <p:spPr>
+          <a:xfrm>
+            <a:off x="191344" y="375047"/>
+            <a:ext cx="2664296" cy="461665"/>
+          </a:xfrm>
+          <a:prstGeom prst="rect">
+            <a:avLst/>
+          </a:prstGeom>
+          <a:noFill/>
+        </p:spPr>
+        <p:txBody>
+          <a:bodyPr wrap="square" rtlCol="0">
+            <a:spAutoFit/>
+          </a:bodyPr>
+          <a:lstStyle/>
+          <a:p>
+            <a:r>
+              <a:rPr kumimoji="1" lang="zh-CN" altLang="en-US" sz="2400" b="1" dirty="0">
+                <a:solidFill>
+                  <a:schemeClr val="bg1"/>
+                </a:solidFill>
+              </a:rPr>
+              <a:t>拍照购产品架构</a:t>
+            </a:r>
+          </a:p>
+        </p:txBody>
+      </p:sp>
+    </p:spTree>
+    <p:extLst>
+      <p:ext uri="{BB962C8B-B14F-4D97-AF65-F5344CB8AC3E}">
         <p14:creationId xmlns:p14="http://schemas.microsoft.com/office/powerpoint/2010/main" val="4161208853"/>
       </p:ext>
     </p:extLst>
@@ -4132,7 +4203,7 @@
 </p:sld>
 </file>
 
-<file path=ppt/slides/slide11.xml><?xml version="1.0" encoding="utf-8"?>
+<file path=ppt/slides/slide12.xml><?xml version="1.0" encoding="utf-8"?>
 <p:sld xmlns:a="http://schemas.openxmlformats.org/drawingml/2006/main" xmlns:r="http://schemas.openxmlformats.org/officeDocument/2006/relationships" xmlns:p="http://schemas.openxmlformats.org/presentationml/2006/main">
   <p:cSld>
     <p:spTree>
@@ -4201,7 +4272,7 @@
 </p:sld>
 </file>
 
-<file path=ppt/slides/slide12.xml><?xml version="1.0" encoding="utf-8"?>
+<file path=ppt/slides/slide13.xml><?xml version="1.0" encoding="utf-8"?>
 <p:sld xmlns:a="http://schemas.openxmlformats.org/drawingml/2006/main" xmlns:r="http://schemas.openxmlformats.org/officeDocument/2006/relationships" xmlns:p="http://schemas.openxmlformats.org/presentationml/2006/main">
   <p:cSld>
     <p:spTree>
@@ -4762,6 +4833,606 @@
           <a:chExt cx="0" cy="0"/>
         </a:xfrm>
       </p:grpSpPr>
+      <p:graphicFrame>
+        <p:nvGraphicFramePr>
+          <p:cNvPr id="3" name="表格 2">
+            <a:extLst>
+              <a:ext uri="{FF2B5EF4-FFF2-40B4-BE49-F238E27FC236}">
+                <a16:creationId xmlns:a16="http://schemas.microsoft.com/office/drawing/2014/main" id="{1C9A64C2-6A94-C845-955D-DD011A573B2D}"/>
+              </a:ext>
+            </a:extLst>
+          </p:cNvPr>
+          <p:cNvGraphicFramePr>
+            <a:graphicFrameLocks noGrp="1"/>
+          </p:cNvGraphicFramePr>
+          <p:nvPr>
+            <p:extLst>
+              <p:ext uri="{D42A27DB-BD31-4B8C-83A1-F6EECF244321}">
+                <p14:modId xmlns:p14="http://schemas.microsoft.com/office/powerpoint/2010/main" val="1659523531"/>
+              </p:ext>
+            </p:extLst>
+          </p:nvPr>
+        </p:nvGraphicFramePr>
+        <p:xfrm>
+          <a:off x="6276021" y="1484144"/>
+          <a:ext cx="936104" cy="1219200"/>
+        </p:xfrm>
+        <a:graphic>
+          <a:graphicData uri="http://schemas.openxmlformats.org/drawingml/2006/table">
+            <a:tbl>
+              <a:tblPr firstRow="1" bandRow="1">
+                <a:tableStyleId>{5940675A-B579-460E-94D1-54222C63F5DA}</a:tableStyleId>
+              </a:tblPr>
+              <a:tblGrid>
+                <a:gridCol w="936104">
+                  <a:extLst>
+                    <a:ext uri="{9D8B030D-6E8A-4147-A177-3AD203B41FA5}">
+                      <a16:colId xmlns:a16="http://schemas.microsoft.com/office/drawing/2014/main" val="1523926450"/>
+                    </a:ext>
+                  </a:extLst>
+                </a:gridCol>
+              </a:tblGrid>
+              <a:tr h="216024">
+                <a:tc>
+                  <a:txBody>
+                    <a:bodyPr/>
+                    <a:lstStyle/>
+                    <a:p>
+                      <a:pPr algn="l"/>
+                      <a:r>
+                        <a:rPr lang="en-US" altLang="zh-CN" sz="1000" dirty="0" err="1"/>
+                        <a:t>Tp_flags</a:t>
+                      </a:r>
+                      <a:endParaRPr lang="zh-CN" altLang="en-US" sz="1000" dirty="0"/>
+                    </a:p>
+                  </a:txBody>
+                  <a:tcPr>
+                    <a:noFill/>
+                  </a:tcPr>
+                </a:tc>
+                <a:extLst>
+                  <a:ext uri="{0D108BD9-81ED-4DB2-BD59-A6C34878D82A}">
+                    <a16:rowId xmlns:a16="http://schemas.microsoft.com/office/drawing/2014/main" val="4122576261"/>
+                  </a:ext>
+                </a:extLst>
+              </a:tr>
+              <a:tr h="216024">
+                <a:tc>
+                  <a:txBody>
+                    <a:bodyPr/>
+                    <a:lstStyle/>
+                    <a:p>
+                      <a:r>
+                        <a:rPr lang="en-US" altLang="zh-CN" sz="1000" dirty="0" err="1"/>
+                        <a:t>Tp_name</a:t>
+                      </a:r>
+                      <a:endParaRPr lang="zh-CN" altLang="en-US" sz="1000" dirty="0"/>
+                    </a:p>
+                  </a:txBody>
+                  <a:tcPr>
+                    <a:noFill/>
+                  </a:tcPr>
+                </a:tc>
+                <a:extLst>
+                  <a:ext uri="{0D108BD9-81ED-4DB2-BD59-A6C34878D82A}">
+                    <a16:rowId xmlns:a16="http://schemas.microsoft.com/office/drawing/2014/main" val="277251002"/>
+                  </a:ext>
+                </a:extLst>
+              </a:tr>
+              <a:tr h="216024">
+                <a:tc>
+                  <a:txBody>
+                    <a:bodyPr/>
+                    <a:lstStyle/>
+                    <a:p>
+                      <a:r>
+                        <a:rPr lang="en-US" altLang="zh-CN" sz="1000" dirty="0" err="1"/>
+                        <a:t>Tp_call</a:t>
+                      </a:r>
+                      <a:endParaRPr lang="zh-CN" altLang="en-US" sz="1000" dirty="0"/>
+                    </a:p>
+                  </a:txBody>
+                  <a:tcPr>
+                    <a:noFill/>
+                  </a:tcPr>
+                </a:tc>
+                <a:extLst>
+                  <a:ext uri="{0D108BD9-81ED-4DB2-BD59-A6C34878D82A}">
+                    <a16:rowId xmlns:a16="http://schemas.microsoft.com/office/drawing/2014/main" val="4129018484"/>
+                  </a:ext>
+                </a:extLst>
+              </a:tr>
+              <a:tr h="216024">
+                <a:tc>
+                  <a:txBody>
+                    <a:bodyPr/>
+                    <a:lstStyle/>
+                    <a:p>
+                      <a:r>
+                        <a:rPr lang="en-US" altLang="zh-CN" sz="1000" dirty="0" err="1"/>
+                        <a:t>Tp_methods</a:t>
+                      </a:r>
+                      <a:endParaRPr lang="zh-CN" altLang="en-US" sz="1000" dirty="0"/>
+                    </a:p>
+                  </a:txBody>
+                  <a:tcPr>
+                    <a:noFill/>
+                  </a:tcPr>
+                </a:tc>
+                <a:extLst>
+                  <a:ext uri="{0D108BD9-81ED-4DB2-BD59-A6C34878D82A}">
+                    <a16:rowId xmlns:a16="http://schemas.microsoft.com/office/drawing/2014/main" val="3679842941"/>
+                  </a:ext>
+                </a:extLst>
+              </a:tr>
+              <a:tr h="216024">
+                <a:tc>
+                  <a:txBody>
+                    <a:bodyPr/>
+                    <a:lstStyle/>
+                    <a:p>
+                      <a:r>
+                        <a:rPr lang="en-US" altLang="zh-CN" sz="1000" dirty="0" err="1"/>
+                        <a:t>Tp_getset</a:t>
+                      </a:r>
+                      <a:endParaRPr lang="zh-CN" altLang="en-US" sz="1000" dirty="0"/>
+                    </a:p>
+                  </a:txBody>
+                  <a:tcPr>
+                    <a:noFill/>
+                  </a:tcPr>
+                </a:tc>
+                <a:extLst>
+                  <a:ext uri="{0D108BD9-81ED-4DB2-BD59-A6C34878D82A}">
+                    <a16:rowId xmlns:a16="http://schemas.microsoft.com/office/drawing/2014/main" val="628320276"/>
+                  </a:ext>
+                </a:extLst>
+              </a:tr>
+            </a:tbl>
+          </a:graphicData>
+        </a:graphic>
+      </p:graphicFrame>
+      <p:graphicFrame>
+        <p:nvGraphicFramePr>
+          <p:cNvPr id="5" name="表格 4">
+            <a:extLst>
+              <a:ext uri="{FF2B5EF4-FFF2-40B4-BE49-F238E27FC236}">
+                <a16:creationId xmlns:a16="http://schemas.microsoft.com/office/drawing/2014/main" id="{C5EA436E-3BDA-DF47-9554-8743A0452C4F}"/>
+              </a:ext>
+            </a:extLst>
+          </p:cNvPr>
+          <p:cNvGraphicFramePr>
+            <a:graphicFrameLocks noGrp="1"/>
+          </p:cNvGraphicFramePr>
+          <p:nvPr>
+            <p:extLst>
+              <p:ext uri="{D42A27DB-BD31-4B8C-83A1-F6EECF244321}">
+                <p14:modId xmlns:p14="http://schemas.microsoft.com/office/powerpoint/2010/main" val="1896026435"/>
+              </p:ext>
+            </p:extLst>
+          </p:nvPr>
+        </p:nvGraphicFramePr>
+        <p:xfrm>
+          <a:off x="1919536" y="1484144"/>
+          <a:ext cx="1296144" cy="1219200"/>
+        </p:xfrm>
+        <a:graphic>
+          <a:graphicData uri="http://schemas.openxmlformats.org/drawingml/2006/table">
+            <a:tbl>
+              <a:tblPr firstRow="1" bandRow="1">
+                <a:tableStyleId>{5940675A-B579-460E-94D1-54222C63F5DA}</a:tableStyleId>
+              </a:tblPr>
+              <a:tblGrid>
+                <a:gridCol w="1296144">
+                  <a:extLst>
+                    <a:ext uri="{9D8B030D-6E8A-4147-A177-3AD203B41FA5}">
+                      <a16:colId xmlns:a16="http://schemas.microsoft.com/office/drawing/2014/main" val="1523926450"/>
+                    </a:ext>
+                  </a:extLst>
+                </a:gridCol>
+              </a:tblGrid>
+              <a:tr h="216024">
+                <a:tc>
+                  <a:txBody>
+                    <a:bodyPr/>
+                    <a:lstStyle/>
+                    <a:p>
+                      <a:pPr algn="ctr"/>
+                      <a:r>
+                        <a:rPr lang="en-US" altLang="zh-CN" sz="1000" dirty="0"/>
+                        <a:t>0:AddBackward0</a:t>
+                      </a:r>
+                      <a:endParaRPr lang="zh-CN" altLang="en-US" sz="1000" dirty="0"/>
+                    </a:p>
+                  </a:txBody>
+                  <a:tcPr>
+                    <a:noFill/>
+                  </a:tcPr>
+                </a:tc>
+                <a:extLst>
+                  <a:ext uri="{0D108BD9-81ED-4DB2-BD59-A6C34878D82A}">
+                    <a16:rowId xmlns:a16="http://schemas.microsoft.com/office/drawing/2014/main" val="4122576261"/>
+                  </a:ext>
+                </a:extLst>
+              </a:tr>
+              <a:tr h="216024">
+                <a:tc>
+                  <a:txBody>
+                    <a:bodyPr/>
+                    <a:lstStyle/>
+                    <a:p>
+                      <a:endParaRPr lang="zh-CN" altLang="en-US" sz="1000"/>
+                    </a:p>
+                  </a:txBody>
+                  <a:tcPr>
+                    <a:noFill/>
+                  </a:tcPr>
+                </a:tc>
+                <a:extLst>
+                  <a:ext uri="{0D108BD9-81ED-4DB2-BD59-A6C34878D82A}">
+                    <a16:rowId xmlns:a16="http://schemas.microsoft.com/office/drawing/2014/main" val="277251002"/>
+                  </a:ext>
+                </a:extLst>
+              </a:tr>
+              <a:tr h="216024">
+                <a:tc>
+                  <a:txBody>
+                    <a:bodyPr/>
+                    <a:lstStyle/>
+                    <a:p>
+                      <a:endParaRPr lang="zh-CN" altLang="en-US" sz="1000" dirty="0"/>
+                    </a:p>
+                  </a:txBody>
+                  <a:tcPr>
+                    <a:noFill/>
+                  </a:tcPr>
+                </a:tc>
+                <a:extLst>
+                  <a:ext uri="{0D108BD9-81ED-4DB2-BD59-A6C34878D82A}">
+                    <a16:rowId xmlns:a16="http://schemas.microsoft.com/office/drawing/2014/main" val="4129018484"/>
+                  </a:ext>
+                </a:extLst>
+              </a:tr>
+              <a:tr h="216024">
+                <a:tc>
+                  <a:txBody>
+                    <a:bodyPr/>
+                    <a:lstStyle/>
+                    <a:p>
+                      <a:endParaRPr lang="zh-CN" altLang="en-US" sz="1000"/>
+                    </a:p>
+                  </a:txBody>
+                  <a:tcPr>
+                    <a:noFill/>
+                  </a:tcPr>
+                </a:tc>
+                <a:extLst>
+                  <a:ext uri="{0D108BD9-81ED-4DB2-BD59-A6C34878D82A}">
+                    <a16:rowId xmlns:a16="http://schemas.microsoft.com/office/drawing/2014/main" val="3679842941"/>
+                  </a:ext>
+                </a:extLst>
+              </a:tr>
+              <a:tr h="216024">
+                <a:tc>
+                  <a:txBody>
+                    <a:bodyPr/>
+                    <a:lstStyle/>
+                    <a:p>
+                      <a:endParaRPr lang="zh-CN" altLang="en-US" sz="1000" dirty="0"/>
+                    </a:p>
+                  </a:txBody>
+                  <a:tcPr>
+                    <a:noFill/>
+                  </a:tcPr>
+                </a:tc>
+                <a:extLst>
+                  <a:ext uri="{0D108BD9-81ED-4DB2-BD59-A6C34878D82A}">
+                    <a16:rowId xmlns:a16="http://schemas.microsoft.com/office/drawing/2014/main" val="628320276"/>
+                  </a:ext>
+                </a:extLst>
+              </a:tr>
+            </a:tbl>
+          </a:graphicData>
+        </a:graphic>
+      </p:graphicFrame>
+      <p:sp>
+        <p:nvSpPr>
+          <p:cNvPr id="6" name="文本框 5">
+            <a:extLst>
+              <a:ext uri="{FF2B5EF4-FFF2-40B4-BE49-F238E27FC236}">
+                <a16:creationId xmlns:a16="http://schemas.microsoft.com/office/drawing/2014/main" id="{CF954243-5BB4-7845-A6A8-5FB17DEBED51}"/>
+              </a:ext>
+            </a:extLst>
+          </p:cNvPr>
+          <p:cNvSpPr txBox="1"/>
+          <p:nvPr/>
+        </p:nvSpPr>
+        <p:spPr>
+          <a:xfrm>
+            <a:off x="6096000" y="1042484"/>
+            <a:ext cx="2016224" cy="307777"/>
+          </a:xfrm>
+          <a:prstGeom prst="rect">
+            <a:avLst/>
+          </a:prstGeom>
+          <a:noFill/>
+        </p:spPr>
+        <p:txBody>
+          <a:bodyPr wrap="square" rtlCol="0">
+            <a:spAutoFit/>
+          </a:bodyPr>
+          <a:lstStyle/>
+          <a:p>
+            <a:r>
+              <a:rPr kumimoji="1" lang="en-US" altLang="zh-CN" sz="1400" dirty="0" err="1"/>
+              <a:t>PyTypeObject</a:t>
+            </a:r>
+            <a:endParaRPr kumimoji="1" lang="zh-CN" altLang="en-US" sz="1400" dirty="0"/>
+          </a:p>
+        </p:txBody>
+      </p:sp>
+      <p:sp>
+        <p:nvSpPr>
+          <p:cNvPr id="7" name="文本框 6">
+            <a:extLst>
+              <a:ext uri="{FF2B5EF4-FFF2-40B4-BE49-F238E27FC236}">
+                <a16:creationId xmlns:a16="http://schemas.microsoft.com/office/drawing/2014/main" id="{26083107-4B57-6042-8B30-B28407580004}"/>
+              </a:ext>
+            </a:extLst>
+          </p:cNvPr>
+          <p:cNvSpPr txBox="1"/>
+          <p:nvPr/>
+        </p:nvSpPr>
+        <p:spPr>
+          <a:xfrm>
+            <a:off x="1703512" y="971342"/>
+            <a:ext cx="2016224" cy="338554"/>
+          </a:xfrm>
+          <a:prstGeom prst="rect">
+            <a:avLst/>
+          </a:prstGeom>
+          <a:noFill/>
+        </p:spPr>
+        <p:txBody>
+          <a:bodyPr wrap="square" rtlCol="0">
+            <a:spAutoFit/>
+          </a:bodyPr>
+          <a:lstStyle/>
+          <a:p>
+            <a:r>
+              <a:rPr kumimoji="1" lang="en-US" altLang="zh-CN" sz="1600" dirty="0" err="1"/>
+              <a:t>cpp_function_types</a:t>
+            </a:r>
+            <a:endParaRPr kumimoji="1" lang="zh-CN" altLang="en-US" sz="1600" dirty="0"/>
+          </a:p>
+        </p:txBody>
+      </p:sp>
+      <p:cxnSp>
+        <p:nvCxnSpPr>
+          <p:cNvPr id="9" name="肘形连接符 8">
+            <a:extLst>
+              <a:ext uri="{FF2B5EF4-FFF2-40B4-BE49-F238E27FC236}">
+                <a16:creationId xmlns:a16="http://schemas.microsoft.com/office/drawing/2014/main" id="{E7C4BB95-B509-014D-AC49-10E812857EB6}"/>
+              </a:ext>
+            </a:extLst>
+          </p:cNvPr>
+          <p:cNvCxnSpPr>
+            <a:cxnSpLocks/>
+            <a:endCxn id="3" idx="1"/>
+          </p:cNvCxnSpPr>
+          <p:nvPr/>
+        </p:nvCxnSpPr>
+        <p:spPr>
+          <a:xfrm>
+            <a:off x="3071664" y="1628800"/>
+            <a:ext cx="3204357" cy="464944"/>
+          </a:xfrm>
+          <a:prstGeom prst="bentConnector3">
+            <a:avLst/>
+          </a:prstGeom>
+          <a:ln>
+            <a:tailEnd type="triangle" w="lg" len="lg"/>
+          </a:ln>
+        </p:spPr>
+        <p:style>
+          <a:lnRef idx="1">
+            <a:schemeClr val="accent1"/>
+          </a:lnRef>
+          <a:fillRef idx="0">
+            <a:schemeClr val="accent1"/>
+          </a:fillRef>
+          <a:effectRef idx="0">
+            <a:schemeClr val="accent1"/>
+          </a:effectRef>
+          <a:fontRef idx="minor">
+            <a:schemeClr val="tx1"/>
+          </a:fontRef>
+        </p:style>
+      </p:cxnSp>
+      <p:graphicFrame>
+        <p:nvGraphicFramePr>
+          <p:cNvPr id="10" name="表格 9">
+            <a:extLst>
+              <a:ext uri="{FF2B5EF4-FFF2-40B4-BE49-F238E27FC236}">
+                <a16:creationId xmlns:a16="http://schemas.microsoft.com/office/drawing/2014/main" id="{E995F0BC-10CA-194D-91B9-2817E31E9D6E}"/>
+              </a:ext>
+            </a:extLst>
+          </p:cNvPr>
+          <p:cNvGraphicFramePr>
+            <a:graphicFrameLocks noGrp="1"/>
+          </p:cNvGraphicFramePr>
+          <p:nvPr>
+            <p:extLst>
+              <p:ext uri="{D42A27DB-BD31-4B8C-83A1-F6EECF244321}">
+                <p14:modId xmlns:p14="http://schemas.microsoft.com/office/powerpoint/2010/main" val="1454761633"/>
+              </p:ext>
+            </p:extLst>
+          </p:nvPr>
+        </p:nvGraphicFramePr>
+        <p:xfrm>
+          <a:off x="8085008" y="1975024"/>
+          <a:ext cx="1101915" cy="731520"/>
+        </p:xfrm>
+        <a:graphic>
+          <a:graphicData uri="http://schemas.openxmlformats.org/drawingml/2006/table">
+            <a:tbl>
+              <a:tblPr firstRow="1" bandRow="1">
+                <a:tableStyleId>{5940675A-B579-460E-94D1-54222C63F5DA}</a:tableStyleId>
+              </a:tblPr>
+              <a:tblGrid>
+                <a:gridCol w="1101915">
+                  <a:extLst>
+                    <a:ext uri="{9D8B030D-6E8A-4147-A177-3AD203B41FA5}">
+                      <a16:colId xmlns:a16="http://schemas.microsoft.com/office/drawing/2014/main" val="1523926450"/>
+                    </a:ext>
+                  </a:extLst>
+                </a:gridCol>
+              </a:tblGrid>
+              <a:tr h="216024">
+                <a:tc>
+                  <a:txBody>
+                    <a:bodyPr/>
+                    <a:lstStyle/>
+                    <a:p>
+                      <a:pPr algn="l"/>
+                      <a:r>
+                        <a:rPr lang="en-US" altLang="zh-CN" sz="1000" dirty="0" err="1"/>
+                        <a:t>next_functions</a:t>
+                      </a:r>
+                      <a:endParaRPr lang="zh-CN" altLang="en-US" sz="1000" dirty="0"/>
+                    </a:p>
+                  </a:txBody>
+                  <a:tcPr>
+                    <a:noFill/>
+                  </a:tcPr>
+                </a:tc>
+                <a:extLst>
+                  <a:ext uri="{0D108BD9-81ED-4DB2-BD59-A6C34878D82A}">
+                    <a16:rowId xmlns:a16="http://schemas.microsoft.com/office/drawing/2014/main" val="4122576261"/>
+                  </a:ext>
+                </a:extLst>
+              </a:tr>
+              <a:tr h="216024">
+                <a:tc>
+                  <a:txBody>
+                    <a:bodyPr/>
+                    <a:lstStyle/>
+                    <a:p>
+                      <a:r>
+                        <a:rPr lang="en-US" altLang="zh-CN" sz="1000" dirty="0" err="1"/>
+                        <a:t>Requires_grad</a:t>
+                      </a:r>
+                      <a:endParaRPr lang="zh-CN" altLang="en-US" sz="1000" dirty="0"/>
+                    </a:p>
+                  </a:txBody>
+                  <a:tcPr>
+                    <a:noFill/>
+                  </a:tcPr>
+                </a:tc>
+                <a:extLst>
+                  <a:ext uri="{0D108BD9-81ED-4DB2-BD59-A6C34878D82A}">
+                    <a16:rowId xmlns:a16="http://schemas.microsoft.com/office/drawing/2014/main" val="277251002"/>
+                  </a:ext>
+                </a:extLst>
+              </a:tr>
+              <a:tr h="216024">
+                <a:tc>
+                  <a:txBody>
+                    <a:bodyPr/>
+                    <a:lstStyle/>
+                    <a:p>
+                      <a:r>
+                        <a:rPr lang="en-US" altLang="zh-CN" sz="1000" dirty="0"/>
+                        <a:t>metadata</a:t>
+                      </a:r>
+                      <a:endParaRPr lang="zh-CN" altLang="en-US" sz="1000" dirty="0"/>
+                    </a:p>
+                  </a:txBody>
+                  <a:tcPr>
+                    <a:noFill/>
+                  </a:tcPr>
+                </a:tc>
+                <a:extLst>
+                  <a:ext uri="{0D108BD9-81ED-4DB2-BD59-A6C34878D82A}">
+                    <a16:rowId xmlns:a16="http://schemas.microsoft.com/office/drawing/2014/main" val="4129018484"/>
+                  </a:ext>
+                </a:extLst>
+              </a:tr>
+            </a:tbl>
+          </a:graphicData>
+        </a:graphic>
+      </p:graphicFrame>
+      <p:cxnSp>
+        <p:nvCxnSpPr>
+          <p:cNvPr id="11" name="肘形连接符 10">
+            <a:extLst>
+              <a:ext uri="{FF2B5EF4-FFF2-40B4-BE49-F238E27FC236}">
+                <a16:creationId xmlns:a16="http://schemas.microsoft.com/office/drawing/2014/main" id="{CE6C24ED-81D2-8842-A466-50A438C32C27}"/>
+              </a:ext>
+            </a:extLst>
+          </p:cNvPr>
+          <p:cNvCxnSpPr>
+            <a:cxnSpLocks/>
+          </p:cNvCxnSpPr>
+          <p:nvPr/>
+        </p:nvCxnSpPr>
+        <p:spPr>
+          <a:xfrm flipV="1">
+            <a:off x="7212125" y="1975024"/>
+            <a:ext cx="890884" cy="622776"/>
+          </a:xfrm>
+          <a:prstGeom prst="bentConnector3">
+            <a:avLst/>
+          </a:prstGeom>
+          <a:ln>
+            <a:tailEnd type="triangle" w="lg" len="lg"/>
+          </a:ln>
+        </p:spPr>
+        <p:style>
+          <a:lnRef idx="1">
+            <a:schemeClr val="accent1"/>
+          </a:lnRef>
+          <a:fillRef idx="0">
+            <a:schemeClr val="accent1"/>
+          </a:fillRef>
+          <a:effectRef idx="0">
+            <a:schemeClr val="accent1"/>
+          </a:effectRef>
+          <a:fontRef idx="minor">
+            <a:schemeClr val="tx1"/>
+          </a:fontRef>
+        </p:style>
+      </p:cxnSp>
+    </p:spTree>
+    <p:extLst>
+      <p:ext uri="{BB962C8B-B14F-4D97-AF65-F5344CB8AC3E}">
+        <p14:creationId xmlns:p14="http://schemas.microsoft.com/office/powerpoint/2010/main" val="2416646854"/>
+      </p:ext>
+    </p:extLst>
+  </p:cSld>
+  <p:clrMapOvr>
+    <a:masterClrMapping/>
+  </p:clrMapOvr>
+</p:sld>
+</file>
+
+<file path=ppt/slides/slide4.xml><?xml version="1.0" encoding="utf-8"?>
+<p:sld xmlns:a="http://schemas.openxmlformats.org/drawingml/2006/main" xmlns:r="http://schemas.openxmlformats.org/officeDocument/2006/relationships" xmlns:p="http://schemas.openxmlformats.org/presentationml/2006/main">
+  <p:cSld>
+    <p:spTree>
+      <p:nvGrpSpPr>
+        <p:cNvPr id="1" name=""/>
+        <p:cNvGrpSpPr/>
+        <p:nvPr/>
+      </p:nvGrpSpPr>
+      <p:grpSpPr>
+        <a:xfrm>
+          <a:off x="0" y="0"/>
+          <a:ext cx="0" cy="0"/>
+          <a:chOff x="0" y="0"/>
+          <a:chExt cx="0" cy="0"/>
+        </a:xfrm>
+      </p:grpSpPr>
       <p:sp>
         <p:nvSpPr>
           <p:cNvPr id="22" name="文本框 21">
@@ -4814,7 +5485,7 @@
 </p:sld>
 </file>
 
-<file path=ppt/slides/slide4.xml><?xml version="1.0" encoding="utf-8"?>
+<file path=ppt/slides/slide5.xml><?xml version="1.0" encoding="utf-8"?>
 <p:sld xmlns:a="http://schemas.openxmlformats.org/drawingml/2006/main" xmlns:r="http://schemas.openxmlformats.org/officeDocument/2006/relationships" xmlns:p="http://schemas.openxmlformats.org/presentationml/2006/main">
   <p:cSld>
     <p:spTree>
@@ -4883,7 +5554,7 @@
 </p:sld>
 </file>
 
-<file path=ppt/slides/slide5.xml><?xml version="1.0" encoding="utf-8"?>
+<file path=ppt/slides/slide6.xml><?xml version="1.0" encoding="utf-8"?>
 <p:sld xmlns:a="http://schemas.openxmlformats.org/drawingml/2006/main" xmlns:r="http://schemas.openxmlformats.org/officeDocument/2006/relationships" xmlns:p="http://schemas.openxmlformats.org/presentationml/2006/main">
   <p:cSld>
     <p:spTree>
@@ -5827,7 +6498,7 @@
 </p:sld>
 </file>
 
-<file path=ppt/slides/slide6.xml><?xml version="1.0" encoding="utf-8"?>
+<file path=ppt/slides/slide7.xml><?xml version="1.0" encoding="utf-8"?>
 <p:sld xmlns:a="http://schemas.openxmlformats.org/drawingml/2006/main" xmlns:r="http://schemas.openxmlformats.org/officeDocument/2006/relationships" xmlns:p="http://schemas.openxmlformats.org/presentationml/2006/main">
   <p:cSld>
     <p:spTree>
@@ -14471,7 +15142,7 @@
 </p:sld>
 </file>
 
-<file path=ppt/slides/slide7.xml><?xml version="1.0" encoding="utf-8"?>
+<file path=ppt/slides/slide8.xml><?xml version="1.0" encoding="utf-8"?>
 <p:sld xmlns:a="http://schemas.openxmlformats.org/drawingml/2006/main" xmlns:r="http://schemas.openxmlformats.org/officeDocument/2006/relationships" xmlns:p="http://schemas.openxmlformats.org/presentationml/2006/main">
   <p:cSld>
     <p:spTree>
@@ -14591,7 +15262,7 @@
 </p:sld>
 </file>
 
-<file path=ppt/slides/slide8.xml><?xml version="1.0" encoding="utf-8"?>
+<file path=ppt/slides/slide9.xml><?xml version="1.0" encoding="utf-8"?>
 <p:sld xmlns:a="http://schemas.openxmlformats.org/drawingml/2006/main" xmlns:r="http://schemas.openxmlformats.org/officeDocument/2006/relationships" xmlns:p="http://schemas.openxmlformats.org/presentationml/2006/main">
   <p:cSld>
     <p:spTree>
@@ -14651,75 +15322,6 @@
     <p:extLst>
       <p:ext uri="{BB962C8B-B14F-4D97-AF65-F5344CB8AC3E}">
         <p14:creationId xmlns:p14="http://schemas.microsoft.com/office/powerpoint/2010/main" val="681538760"/>
-      </p:ext>
-    </p:extLst>
-  </p:cSld>
-  <p:clrMapOvr>
-    <a:masterClrMapping/>
-  </p:clrMapOvr>
-</p:sld>
-</file>
-
-<file path=ppt/slides/slide9.xml><?xml version="1.0" encoding="utf-8"?>
-<p:sld xmlns:a="http://schemas.openxmlformats.org/drawingml/2006/main" xmlns:r="http://schemas.openxmlformats.org/officeDocument/2006/relationships" xmlns:p="http://schemas.openxmlformats.org/presentationml/2006/main">
-  <p:cSld>
-    <p:spTree>
-      <p:nvGrpSpPr>
-        <p:cNvPr id="1" name=""/>
-        <p:cNvGrpSpPr/>
-        <p:nvPr/>
-      </p:nvGrpSpPr>
-      <p:grpSpPr>
-        <a:xfrm>
-          <a:off x="0" y="0"/>
-          <a:ext cx="0" cy="0"/>
-          <a:chOff x="0" y="0"/>
-          <a:chExt cx="0" cy="0"/>
-        </a:xfrm>
-      </p:grpSpPr>
-      <p:sp>
-        <p:nvSpPr>
-          <p:cNvPr id="22" name="文本框 21">
-            <a:extLst>
-              <a:ext uri="{FF2B5EF4-FFF2-40B4-BE49-F238E27FC236}">
-                <a16:creationId xmlns:a16="http://schemas.microsoft.com/office/drawing/2014/main" id="{C18F5FE1-EF1F-0949-AE8A-3DEA3E51231D}"/>
-              </a:ext>
-            </a:extLst>
-          </p:cNvPr>
-          <p:cNvSpPr txBox="1"/>
-          <p:nvPr/>
-        </p:nvSpPr>
-        <p:spPr>
-          <a:xfrm>
-            <a:off x="191344" y="375047"/>
-            <a:ext cx="2664296" cy="461665"/>
-          </a:xfrm>
-          <a:prstGeom prst="rect">
-            <a:avLst/>
-          </a:prstGeom>
-          <a:noFill/>
-        </p:spPr>
-        <p:txBody>
-          <a:bodyPr wrap="square" rtlCol="0">
-            <a:spAutoFit/>
-          </a:bodyPr>
-          <a:lstStyle/>
-          <a:p>
-            <a:r>
-              <a:rPr kumimoji="1" lang="zh-CN" altLang="en-US" sz="2400" b="1" dirty="0">
-                <a:solidFill>
-                  <a:schemeClr val="bg1"/>
-                </a:solidFill>
-              </a:rPr>
-              <a:t>拍照购产品架构</a:t>
-            </a:r>
-          </a:p>
-        </p:txBody>
-      </p:sp>
-    </p:spTree>
-    <p:extLst>
-      <p:ext uri="{BB962C8B-B14F-4D97-AF65-F5344CB8AC3E}">
-        <p14:creationId xmlns:p14="http://schemas.microsoft.com/office/powerpoint/2010/main" val="2558925456"/>
       </p:ext>
     </p:extLst>
   </p:cSld>
